--- a/Senior Capstone draft copy 2.pptx
+++ b/Senior Capstone draft copy 2.pptx
@@ -5,7 +5,7 @@
     <p:sldMasterId id="2147483650" r:id="rId4"/>
   </p:sldMasterIdLst>
   <p:notesMasterIdLst>
-    <p:notesMasterId r:id="rId14"/>
+    <p:notesMasterId r:id="rId16"/>
   </p:notesMasterIdLst>
   <p:sldIdLst>
     <p:sldId id="278" r:id="rId5"/>
@@ -15,8 +15,10 @@
     <p:sldId id="284" r:id="rId9"/>
     <p:sldId id="294" r:id="rId10"/>
     <p:sldId id="290" r:id="rId11"/>
-    <p:sldId id="293" r:id="rId12"/>
-    <p:sldId id="292" r:id="rId13"/>
+    <p:sldId id="296" r:id="rId12"/>
+    <p:sldId id="293" r:id="rId13"/>
+    <p:sldId id="292" r:id="rId14"/>
+    <p:sldId id="297" r:id="rId15"/>
   </p:sldIdLst>
   <p:sldSz cx="12192000" cy="6858000"/>
   <p:notesSz cx="13716000" cy="24384000"/>
@@ -23262,6 +23264,363 @@
 </p:sld>
 </file>
 
+<file path=ppt/slides/slide10.xml><?xml version="1.0" encoding="utf-8"?>
+<p:sld xmlns:a="http://schemas.openxmlformats.org/drawingml/2006/main" xmlns:r="http://schemas.openxmlformats.org/officeDocument/2006/relationships" xmlns:p="http://schemas.openxmlformats.org/presentationml/2006/main">
+  <p:cSld>
+    <p:spTree>
+      <p:nvGrpSpPr>
+        <p:cNvPr id="1" name=""/>
+        <p:cNvGrpSpPr/>
+        <p:nvPr/>
+      </p:nvGrpSpPr>
+      <p:grpSpPr>
+        <a:xfrm>
+          <a:off x="0" y="0"/>
+          <a:ext cx="0" cy="0"/>
+          <a:chOff x="0" y="0"/>
+          <a:chExt cx="0" cy="0"/>
+        </a:xfrm>
+      </p:grpSpPr>
+      <p:sp>
+        <p:nvSpPr>
+          <p:cNvPr id="2" name="Title 1">
+            <a:extLst>
+              <a:ext uri="{FF2B5EF4-FFF2-40B4-BE49-F238E27FC236}">
+                <a16:creationId xmlns:a16="http://schemas.microsoft.com/office/drawing/2014/main" id="{B83F7D2E-080D-DBDD-73C4-3C38A2B77908}"/>
+              </a:ext>
+            </a:extLst>
+          </p:cNvPr>
+          <p:cNvSpPr>
+            <a:spLocks noGrp="1"/>
+          </p:cNvSpPr>
+          <p:nvPr>
+            <p:ph type="title"/>
+          </p:nvPr>
+        </p:nvSpPr>
+        <p:spPr/>
+        <p:txBody>
+          <a:bodyPr/>
+          <a:lstStyle/>
+          <a:p>
+            <a:r>
+              <a:rPr lang="en-US" dirty="0"/>
+              <a:t>Coding work</a:t>
+            </a:r>
+          </a:p>
+        </p:txBody>
+      </p:sp>
+      <p:sp>
+        <p:nvSpPr>
+          <p:cNvPr id="4" name="Footer Placeholder 3">
+            <a:extLst>
+              <a:ext uri="{FF2B5EF4-FFF2-40B4-BE49-F238E27FC236}">
+                <a16:creationId xmlns:a16="http://schemas.microsoft.com/office/drawing/2014/main" id="{D5BA2433-990B-A170-369A-3DF4A9B33BFA}"/>
+              </a:ext>
+            </a:extLst>
+          </p:cNvPr>
+          <p:cNvSpPr>
+            <a:spLocks noGrp="1"/>
+          </p:cNvSpPr>
+          <p:nvPr>
+            <p:ph type="ftr" sz="quarter" idx="13"/>
+          </p:nvPr>
+        </p:nvSpPr>
+        <p:spPr>
+          <a:xfrm>
+            <a:off x="754158" y="196197"/>
+            <a:ext cx="4438480" cy="274320"/>
+          </a:xfrm>
+        </p:spPr>
+        <p:txBody>
+          <a:bodyPr/>
+          <a:lstStyle/>
+          <a:p>
+            <a:r>
+              <a:rPr lang="en-US" dirty="0">
+                <a:solidFill>
+                  <a:srgbClr val="313131"/>
+                </a:solidFill>
+                <a:latin typeface="-apple-system"/>
+              </a:rPr>
+              <a:t>C</a:t>
+            </a:r>
+            <a:r>
+              <a:rPr lang="en-US" b="0" i="0" u="none" strike="noStrike" dirty="0">
+                <a:solidFill>
+                  <a:srgbClr val="313131"/>
+                </a:solidFill>
+                <a:effectLst/>
+                <a:latin typeface="-apple-system"/>
+              </a:rPr>
+              <a:t>omparison for distribution for each position in basketball</a:t>
+            </a:r>
+            <a:endParaRPr lang="en-US" dirty="0"/>
+          </a:p>
+        </p:txBody>
+      </p:sp>
+      <p:sp>
+        <p:nvSpPr>
+          <p:cNvPr id="5" name="Slide Number Placeholder 4">
+            <a:extLst>
+              <a:ext uri="{FF2B5EF4-FFF2-40B4-BE49-F238E27FC236}">
+                <a16:creationId xmlns:a16="http://schemas.microsoft.com/office/drawing/2014/main" id="{BF7F20BE-640F-EFAB-3A43-2AA146DB42BF}"/>
+              </a:ext>
+            </a:extLst>
+          </p:cNvPr>
+          <p:cNvSpPr>
+            <a:spLocks noGrp="1"/>
+          </p:cNvSpPr>
+          <p:nvPr>
+            <p:ph type="sldNum" sz="quarter" idx="12"/>
+          </p:nvPr>
+        </p:nvSpPr>
+        <p:spPr/>
+        <p:txBody>
+          <a:bodyPr/>
+          <a:lstStyle/>
+          <a:p>
+            <a:fld id="{48F63A3B-78C7-47BE-AE5E-E10140E04643}" type="slidenum">
+              <a:rPr lang="en-US" smtClean="0"/>
+              <a:pPr/>
+              <a:t>10</a:t>
+            </a:fld>
+            <a:endParaRPr lang="en-US" dirty="0"/>
+          </a:p>
+        </p:txBody>
+      </p:sp>
+      <p:sp>
+        <p:nvSpPr>
+          <p:cNvPr id="3" name="Content Placeholder 2">
+            <a:extLst>
+              <a:ext uri="{FF2B5EF4-FFF2-40B4-BE49-F238E27FC236}">
+                <a16:creationId xmlns:a16="http://schemas.microsoft.com/office/drawing/2014/main" id="{2BE8FDE3-DBA4-6A04-C75D-E56FE92EF368}"/>
+              </a:ext>
+            </a:extLst>
+          </p:cNvPr>
+          <p:cNvSpPr>
+            <a:spLocks noGrp="1"/>
+          </p:cNvSpPr>
+          <p:nvPr>
+            <p:ph idx="1"/>
+          </p:nvPr>
+        </p:nvSpPr>
+        <p:spPr>
+          <a:xfrm>
+            <a:off x="1508760" y="2837688"/>
+            <a:ext cx="5879592" cy="2204829"/>
+          </a:xfrm>
+        </p:spPr>
+        <p:txBody>
+          <a:bodyPr/>
+          <a:lstStyle/>
+          <a:p>
+            <a:pPr>
+              <a:lnSpc>
+                <a:spcPct val="200000"/>
+              </a:lnSpc>
+            </a:pPr>
+            <a:r>
+              <a:rPr lang="en-US" dirty="0"/>
+              <a:t>Kaggle</a:t>
+            </a:r>
+          </a:p>
+          <a:p>
+            <a:pPr>
+              <a:lnSpc>
+                <a:spcPct val="200000"/>
+              </a:lnSpc>
+            </a:pPr>
+            <a:r>
+              <a:rPr lang="en-US" dirty="0"/>
+              <a:t>Excel</a:t>
+            </a:r>
+          </a:p>
+          <a:p>
+            <a:pPr>
+              <a:lnSpc>
+                <a:spcPct val="200000"/>
+              </a:lnSpc>
+            </a:pPr>
+            <a:r>
+              <a:rPr lang="en-US" dirty="0"/>
+              <a:t>Pandas</a:t>
+            </a:r>
+          </a:p>
+          <a:p>
+            <a:pPr>
+              <a:lnSpc>
+                <a:spcPct val="200000"/>
+              </a:lnSpc>
+            </a:pPr>
+            <a:r>
+              <a:rPr lang="en-US" dirty="0"/>
+              <a:t>Power BI</a:t>
+            </a:r>
+          </a:p>
+        </p:txBody>
+      </p:sp>
+    </p:spTree>
+    <p:extLst>
+      <p:ext uri="{BB962C8B-B14F-4D97-AF65-F5344CB8AC3E}">
+        <p14:creationId xmlns:p14="http://schemas.microsoft.com/office/powerpoint/2010/main" val="94818171"/>
+      </p:ext>
+    </p:extLst>
+  </p:cSld>
+  <p:clrMapOvr>
+    <a:masterClrMapping/>
+  </p:clrMapOvr>
+</p:sld>
+</file>
+
+<file path=ppt/slides/slide11.xml><?xml version="1.0" encoding="utf-8"?>
+<p:sld xmlns:a="http://schemas.openxmlformats.org/drawingml/2006/main" xmlns:r="http://schemas.openxmlformats.org/officeDocument/2006/relationships" xmlns:p="http://schemas.openxmlformats.org/presentationml/2006/main">
+  <p:cSld>
+    <p:spTree>
+      <p:nvGrpSpPr>
+        <p:cNvPr id="1" name=""/>
+        <p:cNvGrpSpPr/>
+        <p:nvPr/>
+      </p:nvGrpSpPr>
+      <p:grpSpPr>
+        <a:xfrm>
+          <a:off x="0" y="0"/>
+          <a:ext cx="0" cy="0"/>
+          <a:chOff x="0" y="0"/>
+          <a:chExt cx="0" cy="0"/>
+        </a:xfrm>
+      </p:grpSpPr>
+      <p:sp>
+        <p:nvSpPr>
+          <p:cNvPr id="2" name="Title 1">
+            <a:extLst>
+              <a:ext uri="{FF2B5EF4-FFF2-40B4-BE49-F238E27FC236}">
+                <a16:creationId xmlns:a16="http://schemas.microsoft.com/office/drawing/2014/main" id="{E16584F0-36F2-47CB-BE91-FA9EA6FF7CCC}"/>
+              </a:ext>
+            </a:extLst>
+          </p:cNvPr>
+          <p:cNvSpPr>
+            <a:spLocks noGrp="1"/>
+          </p:cNvSpPr>
+          <p:nvPr>
+            <p:ph type="title"/>
+          </p:nvPr>
+        </p:nvSpPr>
+        <p:spPr/>
+        <p:txBody>
+          <a:bodyPr/>
+          <a:lstStyle/>
+          <a:p>
+            <a:r>
+              <a:rPr lang="en-US" dirty="0"/>
+              <a:t>Work Cited </a:t>
+            </a:r>
+          </a:p>
+        </p:txBody>
+      </p:sp>
+      <p:sp>
+        <p:nvSpPr>
+          <p:cNvPr id="3" name="Content Placeholder 2">
+            <a:extLst>
+              <a:ext uri="{FF2B5EF4-FFF2-40B4-BE49-F238E27FC236}">
+                <a16:creationId xmlns:a16="http://schemas.microsoft.com/office/drawing/2014/main" id="{2653A72C-09E3-4734-9817-92156FAE8841}"/>
+              </a:ext>
+            </a:extLst>
+          </p:cNvPr>
+          <p:cNvSpPr>
+            <a:spLocks noGrp="1"/>
+          </p:cNvSpPr>
+          <p:nvPr>
+            <p:ph sz="half" idx="1"/>
+          </p:nvPr>
+        </p:nvSpPr>
+        <p:spPr/>
+        <p:txBody>
+          <a:bodyPr/>
+          <a:lstStyle/>
+          <a:p>
+            <a:r>
+              <a:rPr lang="en-US" dirty="0">
+                <a:effectLst/>
+              </a:rPr>
+              <a:t>Frost, Jim. “Normal Distribution in Statistics.” Statistics By Jim, 6 Oct. 2023, statisticsbyjim.com/basics/normal-distribution/. </a:t>
+            </a:r>
+          </a:p>
+          <a:p>
+            <a:endParaRPr lang="en-US" dirty="0"/>
+          </a:p>
+        </p:txBody>
+      </p:sp>
+      <p:sp>
+        <p:nvSpPr>
+          <p:cNvPr id="4" name="Footer Placeholder 3">
+            <a:extLst>
+              <a:ext uri="{FF2B5EF4-FFF2-40B4-BE49-F238E27FC236}">
+                <a16:creationId xmlns:a16="http://schemas.microsoft.com/office/drawing/2014/main" id="{4F6D1B58-AB30-42AC-869D-94CB17ED2984}"/>
+              </a:ext>
+            </a:extLst>
+          </p:cNvPr>
+          <p:cNvSpPr>
+            <a:spLocks noGrp="1"/>
+          </p:cNvSpPr>
+          <p:nvPr>
+            <p:ph type="ftr" sz="quarter" idx="11"/>
+          </p:nvPr>
+        </p:nvSpPr>
+        <p:spPr/>
+        <p:txBody>
+          <a:bodyPr/>
+          <a:lstStyle/>
+          <a:p>
+            <a:r>
+              <a:rPr lang="en-US"/>
+              <a:t>Presentation title</a:t>
+            </a:r>
+            <a:endParaRPr lang="en-US" dirty="0"/>
+          </a:p>
+        </p:txBody>
+      </p:sp>
+      <p:sp>
+        <p:nvSpPr>
+          <p:cNvPr id="5" name="Slide Number Placeholder 4">
+            <a:extLst>
+              <a:ext uri="{FF2B5EF4-FFF2-40B4-BE49-F238E27FC236}">
+                <a16:creationId xmlns:a16="http://schemas.microsoft.com/office/drawing/2014/main" id="{ED490C78-B981-43B5-9504-61493FC49298}"/>
+              </a:ext>
+            </a:extLst>
+          </p:cNvPr>
+          <p:cNvSpPr>
+            <a:spLocks noGrp="1"/>
+          </p:cNvSpPr>
+          <p:nvPr>
+            <p:ph type="sldNum" sz="quarter" idx="12"/>
+          </p:nvPr>
+        </p:nvSpPr>
+        <p:spPr/>
+        <p:txBody>
+          <a:bodyPr/>
+          <a:lstStyle/>
+          <a:p>
+            <a:fld id="{48F63A3B-78C7-47BE-AE5E-E10140E04643}" type="slidenum">
+              <a:rPr lang="en-US" smtClean="0"/>
+              <a:t>11</a:t>
+            </a:fld>
+            <a:endParaRPr lang="en-US" dirty="0"/>
+          </a:p>
+        </p:txBody>
+      </p:sp>
+    </p:spTree>
+    <p:extLst>
+      <p:ext uri="{BB962C8B-B14F-4D97-AF65-F5344CB8AC3E}">
+        <p14:creationId xmlns:p14="http://schemas.microsoft.com/office/powerpoint/2010/main" val="724305106"/>
+      </p:ext>
+    </p:extLst>
+  </p:cSld>
+  <p:clrMapOvr>
+    <a:masterClrMapping/>
+  </p:clrMapOvr>
+</p:sld>
+</file>
+
 <file path=ppt/slides/slide2.xml><?xml version="1.0" encoding="utf-8"?>
 <p:sld xmlns:a="http://schemas.openxmlformats.org/drawingml/2006/main" xmlns:r="http://schemas.openxmlformats.org/officeDocument/2006/relationships" xmlns:p="http://schemas.openxmlformats.org/presentationml/2006/main">
   <p:cSld>
@@ -23356,7 +23715,13 @@
           <a:p>
             <a:r>
               <a:rPr lang="en-US" dirty="0"/>
-              <a:t>​More info</a:t>
+              <a:t>​Process of Project</a:t>
+            </a:r>
+          </a:p>
+          <a:p>
+            <a:r>
+              <a:rPr lang="en-US" dirty="0"/>
+              <a:t>Basketball Information</a:t>
             </a:r>
           </a:p>
           <a:p>
@@ -23368,7 +23733,7 @@
           <a:p>
             <a:r>
               <a:rPr lang="en-US" dirty="0"/>
-              <a:t>​Summary​</a:t>
+              <a:t>​Coding Work</a:t>
             </a:r>
           </a:p>
           <a:p>
@@ -24408,6 +24773,305 @@
 </file>
 
 <file path=ppt/slides/slide8.xml><?xml version="1.0" encoding="utf-8"?>
+<p:sld xmlns:a="http://schemas.openxmlformats.org/drawingml/2006/main" xmlns:r="http://schemas.openxmlformats.org/officeDocument/2006/relationships" xmlns:p="http://schemas.openxmlformats.org/presentationml/2006/main">
+  <p:cSld>
+    <p:spTree>
+      <p:nvGrpSpPr>
+        <p:cNvPr id="1" name=""/>
+        <p:cNvGrpSpPr/>
+        <p:nvPr/>
+      </p:nvGrpSpPr>
+      <p:grpSpPr>
+        <a:xfrm>
+          <a:off x="0" y="0"/>
+          <a:ext cx="0" cy="0"/>
+          <a:chOff x="0" y="0"/>
+          <a:chExt cx="0" cy="0"/>
+        </a:xfrm>
+      </p:grpSpPr>
+      <p:sp>
+        <p:nvSpPr>
+          <p:cNvPr id="2" name="Footer Placeholder 1">
+            <a:extLst>
+              <a:ext uri="{FF2B5EF4-FFF2-40B4-BE49-F238E27FC236}">
+                <a16:creationId xmlns:a16="http://schemas.microsoft.com/office/drawing/2014/main" id="{F338DE48-796F-4784-9ED6-A12D09C59CAA}"/>
+              </a:ext>
+            </a:extLst>
+          </p:cNvPr>
+          <p:cNvSpPr>
+            <a:spLocks noGrp="1"/>
+          </p:cNvSpPr>
+          <p:nvPr>
+            <p:ph type="ftr" sz="quarter" idx="11"/>
+          </p:nvPr>
+        </p:nvSpPr>
+        <p:spPr>
+          <a:xfrm>
+            <a:off x="621791" y="457200"/>
+            <a:ext cx="4669299" cy="274320"/>
+          </a:xfrm>
+        </p:spPr>
+        <p:txBody>
+          <a:bodyPr/>
+          <a:lstStyle/>
+          <a:p>
+            <a:r>
+              <a:rPr lang="en-US" dirty="0">
+                <a:solidFill>
+                  <a:srgbClr val="313131"/>
+                </a:solidFill>
+                <a:latin typeface="-apple-system"/>
+              </a:rPr>
+              <a:t>C</a:t>
+            </a:r>
+            <a:r>
+              <a:rPr lang="en-US" b="0" i="0" u="none" strike="noStrike" dirty="0">
+                <a:solidFill>
+                  <a:srgbClr val="313131"/>
+                </a:solidFill>
+                <a:effectLst/>
+                <a:latin typeface="-apple-system"/>
+              </a:rPr>
+              <a:t>omparison for distribution for each position in basketball</a:t>
+            </a:r>
+            <a:endParaRPr lang="en-US" dirty="0"/>
+          </a:p>
+        </p:txBody>
+      </p:sp>
+      <p:sp>
+        <p:nvSpPr>
+          <p:cNvPr id="3" name="Slide Number Placeholder 2">
+            <a:extLst>
+              <a:ext uri="{FF2B5EF4-FFF2-40B4-BE49-F238E27FC236}">
+                <a16:creationId xmlns:a16="http://schemas.microsoft.com/office/drawing/2014/main" id="{74BE8081-0D0B-4B6A-AB86-2EE26ED90C3E}"/>
+              </a:ext>
+            </a:extLst>
+          </p:cNvPr>
+          <p:cNvSpPr>
+            <a:spLocks noGrp="1"/>
+          </p:cNvSpPr>
+          <p:nvPr>
+            <p:ph type="sldNum" sz="quarter" idx="12"/>
+          </p:nvPr>
+        </p:nvSpPr>
+        <p:spPr/>
+        <p:txBody>
+          <a:bodyPr/>
+          <a:lstStyle/>
+          <a:p>
+            <a:fld id="{48F63A3B-78C7-47BE-AE5E-E10140E04643}" type="slidenum">
+              <a:rPr lang="en-US" smtClean="0"/>
+              <a:t>8</a:t>
+            </a:fld>
+            <a:endParaRPr lang="en-US" dirty="0"/>
+          </a:p>
+        </p:txBody>
+      </p:sp>
+      <p:pic>
+        <p:nvPicPr>
+          <p:cNvPr id="4" name="Picture 2" descr="Normal Distribution | Examples, Formulas, &amp; Uses">
+            <a:extLst>
+              <a:ext uri="{FF2B5EF4-FFF2-40B4-BE49-F238E27FC236}">
+                <a16:creationId xmlns:a16="http://schemas.microsoft.com/office/drawing/2014/main" id="{55C13CB6-3DDC-4A60-B8D9-F1EC9D368295}"/>
+              </a:ext>
+            </a:extLst>
+          </p:cNvPr>
+          <p:cNvPicPr>
+            <a:picLocks noChangeAspect="1" noChangeArrowheads="1"/>
+          </p:cNvPicPr>
+          <p:nvPr/>
+        </p:nvPicPr>
+        <p:blipFill>
+          <a:blip r:embed="rId2">
+            <a:extLst>
+              <a:ext uri="{28A0092B-C50C-407E-A947-70E740481C1C}">
+                <a14:useLocalDpi xmlns:a14="http://schemas.microsoft.com/office/drawing/2010/main" val="0"/>
+              </a:ext>
+            </a:extLst>
+          </a:blip>
+          <a:srcRect/>
+          <a:stretch>
+            <a:fillRect/>
+          </a:stretch>
+        </p:blipFill>
+        <p:spPr bwMode="auto">
+          <a:xfrm>
+            <a:off x="6096000" y="862604"/>
+            <a:ext cx="5113539" cy="3161656"/>
+          </a:xfrm>
+          <a:prstGeom prst="rect">
+            <a:avLst/>
+          </a:prstGeom>
+          <a:noFill/>
+          <a:extLst>
+            <a:ext uri="{909E8E84-426E-40DD-AFC4-6F175D3DCCD1}">
+              <a14:hiddenFill xmlns:a14="http://schemas.microsoft.com/office/drawing/2010/main">
+                <a:solidFill>
+                  <a:srgbClr val="FFFFFF"/>
+                </a:solidFill>
+              </a14:hiddenFill>
+            </a:ext>
+          </a:extLst>
+        </p:spPr>
+      </p:pic>
+      <p:pic>
+        <p:nvPicPr>
+          <p:cNvPr id="5" name="Picture 4" descr="Image result for a normal distribution equation">
+            <a:extLst>
+              <a:ext uri="{FF2B5EF4-FFF2-40B4-BE49-F238E27FC236}">
+                <a16:creationId xmlns:a16="http://schemas.microsoft.com/office/drawing/2014/main" id="{87CFA655-BDBD-4262-BF4E-06E9BD6FE6B5}"/>
+              </a:ext>
+            </a:extLst>
+          </p:cNvPr>
+          <p:cNvPicPr>
+            <a:picLocks noChangeAspect="1" noChangeArrowheads="1"/>
+          </p:cNvPicPr>
+          <p:nvPr/>
+        </p:nvPicPr>
+        <p:blipFill>
+          <a:blip r:embed="rId3">
+            <a:extLst>
+              <a:ext uri="{28A0092B-C50C-407E-A947-70E740481C1C}">
+                <a14:useLocalDpi xmlns:a14="http://schemas.microsoft.com/office/drawing/2010/main" val="0"/>
+              </a:ext>
+            </a:extLst>
+          </a:blip>
+          <a:srcRect/>
+          <a:stretch>
+            <a:fillRect/>
+          </a:stretch>
+        </p:blipFill>
+        <p:spPr bwMode="auto">
+          <a:xfrm>
+            <a:off x="6096000" y="4244996"/>
+            <a:ext cx="2570154" cy="2422134"/>
+          </a:xfrm>
+          <a:prstGeom prst="rect">
+            <a:avLst/>
+          </a:prstGeom>
+          <a:noFill/>
+          <a:extLst>
+            <a:ext uri="{909E8E84-426E-40DD-AFC4-6F175D3DCCD1}">
+              <a14:hiddenFill xmlns:a14="http://schemas.microsoft.com/office/drawing/2010/main">
+                <a:solidFill>
+                  <a:srgbClr val="FFFFFF"/>
+                </a:solidFill>
+              </a14:hiddenFill>
+            </a:ext>
+          </a:extLst>
+        </p:spPr>
+      </p:pic>
+      <p:sp>
+        <p:nvSpPr>
+          <p:cNvPr id="7" name="TextBox 6">
+            <a:extLst>
+              <a:ext uri="{FF2B5EF4-FFF2-40B4-BE49-F238E27FC236}">
+                <a16:creationId xmlns:a16="http://schemas.microsoft.com/office/drawing/2014/main" id="{8A199B0D-4CF0-477F-B6AA-B021EF28FBEF}"/>
+              </a:ext>
+            </a:extLst>
+          </p:cNvPr>
+          <p:cNvSpPr txBox="1"/>
+          <p:nvPr/>
+        </p:nvSpPr>
+        <p:spPr>
+          <a:xfrm>
+            <a:off x="1260628" y="1580225"/>
+            <a:ext cx="4030462" cy="3721788"/>
+          </a:xfrm>
+          <a:prstGeom prst="rect">
+            <a:avLst/>
+          </a:prstGeom>
+          <a:noFill/>
+        </p:spPr>
+        <p:txBody>
+          <a:bodyPr wrap="square" rtlCol="0">
+            <a:spAutoFit/>
+          </a:bodyPr>
+          <a:lstStyle/>
+          <a:p>
+            <a:pPr>
+              <a:lnSpc>
+                <a:spcPct val="200000"/>
+              </a:lnSpc>
+            </a:pPr>
+            <a:r>
+              <a:rPr lang="en-US" sz="1500" dirty="0">
+                <a:solidFill>
+                  <a:schemeClr val="accent6"/>
+                </a:solidFill>
+              </a:rPr>
+              <a:t>Standard Deviation: </a:t>
+            </a:r>
+            <a:r>
+              <a:rPr lang="en-US" sz="1500" b="0" i="0" dirty="0">
+                <a:solidFill>
+                  <a:schemeClr val="accent6"/>
+                </a:solidFill>
+                <a:effectLst/>
+              </a:rPr>
+              <a:t>is a measure of variability. It defines the width of the normal distribution a</a:t>
+            </a:r>
+            <a:r>
+              <a:rPr lang="en-US" sz="1500" dirty="0">
+                <a:solidFill>
+                  <a:schemeClr val="accent6"/>
+                </a:solidFill>
+              </a:rPr>
+              <a:t>nd </a:t>
+            </a:r>
+            <a:r>
+              <a:rPr lang="en-US" sz="1500" b="0" i="0" dirty="0">
+                <a:solidFill>
+                  <a:schemeClr val="accent6"/>
+                </a:solidFill>
+                <a:effectLst/>
+              </a:rPr>
+              <a:t>determines how far away from the mean the values tend to fall</a:t>
+            </a:r>
+          </a:p>
+          <a:p>
+            <a:pPr>
+              <a:lnSpc>
+                <a:spcPct val="200000"/>
+              </a:lnSpc>
+            </a:pPr>
+            <a:endParaRPr lang="en-US" sz="1500" dirty="0">
+              <a:solidFill>
+                <a:schemeClr val="accent6"/>
+              </a:solidFill>
+            </a:endParaRPr>
+          </a:p>
+          <a:p>
+            <a:pPr>
+              <a:lnSpc>
+                <a:spcPct val="200000"/>
+              </a:lnSpc>
+            </a:pPr>
+            <a:r>
+              <a:rPr lang="en-US" sz="1500" dirty="0">
+                <a:solidFill>
+                  <a:schemeClr val="accent6"/>
+                </a:solidFill>
+              </a:rPr>
+              <a:t>Mean(Average): the central tendency and defines the location of the peak of the bell curve, is also the median and mode.</a:t>
+            </a:r>
+          </a:p>
+        </p:txBody>
+      </p:sp>
+    </p:spTree>
+    <p:extLst>
+      <p:ext uri="{BB962C8B-B14F-4D97-AF65-F5344CB8AC3E}">
+        <p14:creationId xmlns:p14="http://schemas.microsoft.com/office/powerpoint/2010/main" val="3827366955"/>
+      </p:ext>
+    </p:extLst>
+  </p:cSld>
+  <p:clrMapOvr>
+    <a:masterClrMapping/>
+  </p:clrMapOvr>
+</p:sld>
+</file>
+
+<file path=ppt/slides/slide9.xml><?xml version="1.0" encoding="utf-8"?>
 <p:sld xmlns:a="http://schemas.openxmlformats.org/drawingml/2006/main" xmlns:r="http://schemas.openxmlformats.org/officeDocument/2006/relationships" xmlns:p="http://schemas.openxmlformats.org/presentationml/2006/main">
   <p:cSld>
     <p:spTree>
@@ -24574,7 +25238,7 @@
           <a:p>
             <a:fld id="{48F63A3B-78C7-47BE-AE5E-E10140E04643}" type="slidenum">
               <a:rPr lang="en-US" smtClean="0"/>
-              <a:t>8</a:t>
+              <a:t>9</a:t>
             </a:fld>
             <a:endParaRPr lang="en-US" dirty="0"/>
           </a:p>
@@ -24584,214 +25248,6 @@
     <p:extLst>
       <p:ext uri="{BB962C8B-B14F-4D97-AF65-F5344CB8AC3E}">
         <p14:creationId xmlns:p14="http://schemas.microsoft.com/office/powerpoint/2010/main" val="2891121577"/>
-      </p:ext>
-    </p:extLst>
-  </p:cSld>
-  <p:clrMapOvr>
-    <a:masterClrMapping/>
-  </p:clrMapOvr>
-</p:sld>
-</file>
-
-<file path=ppt/slides/slide9.xml><?xml version="1.0" encoding="utf-8"?>
-<p:sld xmlns:a="http://schemas.openxmlformats.org/drawingml/2006/main" xmlns:r="http://schemas.openxmlformats.org/officeDocument/2006/relationships" xmlns:p="http://schemas.openxmlformats.org/presentationml/2006/main">
-  <p:cSld>
-    <p:spTree>
-      <p:nvGrpSpPr>
-        <p:cNvPr id="1" name=""/>
-        <p:cNvGrpSpPr/>
-        <p:nvPr/>
-      </p:nvGrpSpPr>
-      <p:grpSpPr>
-        <a:xfrm>
-          <a:off x="0" y="0"/>
-          <a:ext cx="0" cy="0"/>
-          <a:chOff x="0" y="0"/>
-          <a:chExt cx="0" cy="0"/>
-        </a:xfrm>
-      </p:grpSpPr>
-      <p:sp>
-        <p:nvSpPr>
-          <p:cNvPr id="2" name="Title 1">
-            <a:extLst>
-              <a:ext uri="{FF2B5EF4-FFF2-40B4-BE49-F238E27FC236}">
-                <a16:creationId xmlns:a16="http://schemas.microsoft.com/office/drawing/2014/main" id="{B83F7D2E-080D-DBDD-73C4-3C38A2B77908}"/>
-              </a:ext>
-            </a:extLst>
-          </p:cNvPr>
-          <p:cNvSpPr>
-            <a:spLocks noGrp="1"/>
-          </p:cNvSpPr>
-          <p:nvPr>
-            <p:ph type="title"/>
-          </p:nvPr>
-        </p:nvSpPr>
-        <p:spPr/>
-        <p:txBody>
-          <a:bodyPr/>
-          <a:lstStyle/>
-          <a:p>
-            <a:r>
-              <a:rPr lang="en-US" dirty="0"/>
-              <a:t>Coding work</a:t>
-            </a:r>
-          </a:p>
-        </p:txBody>
-      </p:sp>
-      <p:sp>
-        <p:nvSpPr>
-          <p:cNvPr id="4" name="Footer Placeholder 3">
-            <a:extLst>
-              <a:ext uri="{FF2B5EF4-FFF2-40B4-BE49-F238E27FC236}">
-                <a16:creationId xmlns:a16="http://schemas.microsoft.com/office/drawing/2014/main" id="{D5BA2433-990B-A170-369A-3DF4A9B33BFA}"/>
-              </a:ext>
-            </a:extLst>
-          </p:cNvPr>
-          <p:cNvSpPr>
-            <a:spLocks noGrp="1"/>
-          </p:cNvSpPr>
-          <p:nvPr>
-            <p:ph type="ftr" sz="quarter" idx="13"/>
-          </p:nvPr>
-        </p:nvSpPr>
-        <p:spPr>
-          <a:xfrm>
-            <a:off x="754158" y="196197"/>
-            <a:ext cx="4438480" cy="274320"/>
-          </a:xfrm>
-        </p:spPr>
-        <p:txBody>
-          <a:bodyPr/>
-          <a:lstStyle/>
-          <a:p>
-            <a:r>
-              <a:rPr lang="en-US" dirty="0">
-                <a:solidFill>
-                  <a:srgbClr val="313131"/>
-                </a:solidFill>
-                <a:latin typeface="-apple-system"/>
-              </a:rPr>
-              <a:t>C</a:t>
-            </a:r>
-            <a:r>
-              <a:rPr lang="en-US" b="0" i="0" u="none" strike="noStrike" dirty="0">
-                <a:solidFill>
-                  <a:srgbClr val="313131"/>
-                </a:solidFill>
-                <a:effectLst/>
-                <a:latin typeface="-apple-system"/>
-              </a:rPr>
-              <a:t>omparison for distribution for each position in basketball</a:t>
-            </a:r>
-            <a:endParaRPr lang="en-US" dirty="0"/>
-          </a:p>
-        </p:txBody>
-      </p:sp>
-      <p:sp>
-        <p:nvSpPr>
-          <p:cNvPr id="5" name="Slide Number Placeholder 4">
-            <a:extLst>
-              <a:ext uri="{FF2B5EF4-FFF2-40B4-BE49-F238E27FC236}">
-                <a16:creationId xmlns:a16="http://schemas.microsoft.com/office/drawing/2014/main" id="{BF7F20BE-640F-EFAB-3A43-2AA146DB42BF}"/>
-              </a:ext>
-            </a:extLst>
-          </p:cNvPr>
-          <p:cNvSpPr>
-            <a:spLocks noGrp="1"/>
-          </p:cNvSpPr>
-          <p:nvPr>
-            <p:ph type="sldNum" sz="quarter" idx="12"/>
-          </p:nvPr>
-        </p:nvSpPr>
-        <p:spPr/>
-        <p:txBody>
-          <a:bodyPr/>
-          <a:lstStyle/>
-          <a:p>
-            <a:fld id="{48F63A3B-78C7-47BE-AE5E-E10140E04643}" type="slidenum">
-              <a:rPr lang="en-US" smtClean="0"/>
-              <a:pPr/>
-              <a:t>9</a:t>
-            </a:fld>
-            <a:endParaRPr lang="en-US" dirty="0"/>
-          </a:p>
-        </p:txBody>
-      </p:sp>
-      <p:sp>
-        <p:nvSpPr>
-          <p:cNvPr id="3" name="Content Placeholder 2">
-            <a:extLst>
-              <a:ext uri="{FF2B5EF4-FFF2-40B4-BE49-F238E27FC236}">
-                <a16:creationId xmlns:a16="http://schemas.microsoft.com/office/drawing/2014/main" id="{2BE8FDE3-DBA4-6A04-C75D-E56FE92EF368}"/>
-              </a:ext>
-            </a:extLst>
-          </p:cNvPr>
-          <p:cNvSpPr>
-            <a:spLocks noGrp="1"/>
-          </p:cNvSpPr>
-          <p:nvPr>
-            <p:ph idx="1"/>
-          </p:nvPr>
-        </p:nvSpPr>
-        <p:spPr>
-          <a:xfrm>
-            <a:off x="1508760" y="2837688"/>
-            <a:ext cx="5879592" cy="2204829"/>
-          </a:xfrm>
-        </p:spPr>
-        <p:txBody>
-          <a:bodyPr/>
-          <a:lstStyle/>
-          <a:p>
-            <a:pPr>
-              <a:lnSpc>
-                <a:spcPct val="200000"/>
-              </a:lnSpc>
-            </a:pPr>
-            <a:r>
-              <a:rPr lang="en-US" dirty="0"/>
-              <a:t>Kaggle</a:t>
-            </a:r>
-          </a:p>
-          <a:p>
-            <a:pPr>
-              <a:lnSpc>
-                <a:spcPct val="200000"/>
-              </a:lnSpc>
-            </a:pPr>
-            <a:r>
-              <a:rPr lang="en-US" dirty="0"/>
-              <a:t>Excel</a:t>
-            </a:r>
-          </a:p>
-          <a:p>
-            <a:pPr>
-              <a:lnSpc>
-                <a:spcPct val="200000"/>
-              </a:lnSpc>
-            </a:pPr>
-            <a:r>
-              <a:rPr lang="en-US" dirty="0"/>
-              <a:t>Pandas</a:t>
-            </a:r>
-          </a:p>
-          <a:p>
-            <a:pPr>
-              <a:lnSpc>
-                <a:spcPct val="200000"/>
-              </a:lnSpc>
-            </a:pPr>
-            <a:r>
-              <a:rPr lang="en-US" dirty="0"/>
-              <a:t>Power BI</a:t>
-            </a:r>
-          </a:p>
-        </p:txBody>
-      </p:sp>
-    </p:spTree>
-    <p:extLst>
-      <p:ext uri="{BB962C8B-B14F-4D97-AF65-F5344CB8AC3E}">
-        <p14:creationId xmlns:p14="http://schemas.microsoft.com/office/powerpoint/2010/main" val="94818171"/>
       </p:ext>
     </p:extLst>
   </p:cSld>
@@ -25298,6 +25754,15 @@
 </file>
 
 <file path=customXml/item1.xml><?xml version="1.0" encoding="utf-8"?>
+<?mso-contentType ?>
+<FormTemplates xmlns="http://schemas.microsoft.com/sharepoint/v3/contenttype/forms">
+  <Display>DocumentLibraryForm</Display>
+  <Edit>DocumentLibraryForm</Edit>
+  <New>DocumentLibraryForm</New>
+</FormTemplates>
+</file>
+
+<file path=customXml/item2.xml><?xml version="1.0" encoding="utf-8"?>
 <p:properties xmlns:p="http://schemas.microsoft.com/office/2006/metadata/properties" xmlns:xsi="http://www.w3.org/2001/XMLSchema-instance" xmlns:pc="http://schemas.microsoft.com/office/infopath/2007/PartnerControls">
   <documentManagement>
     <_ip_UnifiedCompliancePolicyUIAction xmlns="http://schemas.microsoft.com/sharepoint/v3" xsi:nil="true"/>
@@ -25315,15 +25780,6 @@
     <MediaServiceKeyPoints xmlns="71af3243-3dd4-4a8d-8c0d-dd76da1f02a5" xsi:nil="true"/>
   </documentManagement>
 </p:properties>
-</file>
-
-<file path=customXml/item2.xml><?xml version="1.0" encoding="utf-8"?>
-<?mso-contentType ?>
-<FormTemplates xmlns="http://schemas.microsoft.com/sharepoint/v3/contenttype/forms">
-  <Display>DocumentLibraryForm</Display>
-  <Edit>DocumentLibraryForm</Edit>
-  <New>DocumentLibraryForm</New>
-</FormTemplates>
 </file>
 
 <file path=customXml/item3.xml><?xml version="1.0" encoding="utf-8"?>
@@ -25639,6 +26095,14 @@
 </file>
 
 <file path=customXml/itemProps1.xml><?xml version="1.0" encoding="utf-8"?>
+<ds:datastoreItem xmlns:ds="http://schemas.openxmlformats.org/officeDocument/2006/customXml" ds:itemID="{69060146-7700-4F6C-986B-89E3839BD4ED}">
+  <ds:schemaRefs>
+    <ds:schemaRef ds:uri="http://schemas.microsoft.com/sharepoint/v3/contenttype/forms"/>
+  </ds:schemaRefs>
+</ds:datastoreItem>
+</file>
+
+<file path=customXml/itemProps2.xml><?xml version="1.0" encoding="utf-8"?>
 <ds:datastoreItem xmlns:ds="http://schemas.openxmlformats.org/officeDocument/2006/customXml" ds:itemID="{D235FEF8-1733-4347-95CE-3BB62B2B8DD7}">
   <ds:schemaRefs>
     <ds:schemaRef ds:uri="http://schemas.microsoft.com/office/2006/metadata/properties"/>
@@ -25648,14 +26112,6 @@
     <ds:schemaRef ds:uri="71af3243-3dd4-4a8d-8c0d-dd76da1f02a5"/>
     <ds:schemaRef ds:uri="http://schemas.microsoft.com/office/infopath/2007/PartnerControls"/>
     <ds:schemaRef ds:uri="230e9df3-be65-4c73-a93b-d1236ebd677e"/>
-  </ds:schemaRefs>
-</ds:datastoreItem>
-</file>
-
-<file path=customXml/itemProps2.xml><?xml version="1.0" encoding="utf-8"?>
-<ds:datastoreItem xmlns:ds="http://schemas.openxmlformats.org/officeDocument/2006/customXml" ds:itemID="{69060146-7700-4F6C-986B-89E3839BD4ED}">
-  <ds:schemaRefs>
-    <ds:schemaRef ds:uri="http://schemas.microsoft.com/sharepoint/v3/contenttype/forms"/>
   </ds:schemaRefs>
 </ds:datastoreItem>
 </file>
